--- a/Figures/Figure_7/Figure_7.pptx
+++ b/Figures/Figure_7/Figure_7.pptx
@@ -3414,10 +3414,10 @@
       </p:grpSpPr>
       <p:sp>
         <p:nvSpPr>
-          <p:cNvPr id="156" name="TextBox 155">
+          <p:cNvPr id="19" name="TextBox 18">
             <a:extLst>
               <a:ext uri="{FF2B5EF4-FFF2-40B4-BE49-F238E27FC236}">
-                <a16:creationId xmlns:a16="http://schemas.microsoft.com/office/drawing/2014/main" id="{A11A4635-C05F-135B-ADD6-9C2D296C2FD1}"/>
+                <a16:creationId xmlns:a16="http://schemas.microsoft.com/office/drawing/2014/main" id="{ABEDDC34-9C01-963F-A8F9-E052A49A2BB8}"/>
               </a:ext>
             </a:extLst>
           </p:cNvPr>
@@ -3426,8 +3426,8 @@
         </p:nvSpPr>
         <p:spPr>
           <a:xfrm>
-            <a:off x="1052601" y="0"/>
-            <a:ext cx="792205" cy="1569660"/>
+            <a:off x="1052601" y="14921079"/>
+            <a:ext cx="699230" cy="1569660"/>
           </a:xfrm>
           <a:prstGeom prst="rect">
             <a:avLst/>
@@ -3442,17 +3442,52 @@
           <a:p>
             <a:r>
               <a:rPr lang="en-US" sz="9600" b="1" dirty="0"/>
-              <a:t>a</a:t>
+              <a:t>c</a:t>
+            </a:r>
+          </a:p>
+        </p:txBody>
+      </p:sp>
+      <p:sp>
+        <p:nvSpPr>
+          <p:cNvPr id="20" name="TextBox 19">
+            <a:extLst>
+              <a:ext uri="{FF2B5EF4-FFF2-40B4-BE49-F238E27FC236}">
+                <a16:creationId xmlns:a16="http://schemas.microsoft.com/office/drawing/2014/main" id="{3F78695B-C0AD-2C92-4DF7-ECD8283AA6DD}"/>
+              </a:ext>
+            </a:extLst>
+          </p:cNvPr>
+          <p:cNvSpPr txBox="1"/>
+          <p:nvPr/>
+        </p:nvSpPr>
+        <p:spPr>
+          <a:xfrm>
+            <a:off x="21813674" y="14921079"/>
+            <a:ext cx="845103" cy="1569660"/>
+          </a:xfrm>
+          <a:prstGeom prst="rect">
+            <a:avLst/>
+          </a:prstGeom>
+          <a:noFill/>
+        </p:spPr>
+        <p:txBody>
+          <a:bodyPr wrap="none" rtlCol="0">
+            <a:spAutoFit/>
+          </a:bodyPr>
+          <a:lstStyle/>
+          <a:p>
+            <a:r>
+              <a:rPr lang="en-US" sz="9600" b="1" dirty="0"/>
+              <a:t>d</a:t>
             </a:r>
           </a:p>
         </p:txBody>
       </p:sp>
       <p:pic>
         <p:nvPicPr>
-          <p:cNvPr id="3" name="Picture 2" descr="A picture containing text, screenshot, line, diagram&#10;&#10;Description automatically generated">
+          <p:cNvPr id="10" name="Picture 9" descr="A picture containing text, screenshot, plot, line&#10;&#10;Description automatically generated">
             <a:extLst>
               <a:ext uri="{FF2B5EF4-FFF2-40B4-BE49-F238E27FC236}">
-                <a16:creationId xmlns:a16="http://schemas.microsoft.com/office/drawing/2014/main" id="{8F3EBCAD-1440-92F0-36DC-FF12AFAF98F9}"/>
+                <a16:creationId xmlns:a16="http://schemas.microsoft.com/office/drawing/2014/main" id="{AA91F481-D408-36EB-32AE-47C518B1C26F}"/>
               </a:ext>
             </a:extLst>
           </p:cNvPr>
@@ -3469,8 +3504,8 @@
         </p:blipFill>
         <p:spPr>
           <a:xfrm>
-            <a:off x="2344753" y="0"/>
-            <a:ext cx="20319999" cy="15240000"/>
+            <a:off x="872048" y="17195172"/>
+            <a:ext cx="20803956" cy="12482374"/>
           </a:xfrm>
           <a:prstGeom prst="rect">
             <a:avLst/>
@@ -3479,10 +3514,10 @@
       </p:pic>
       <p:pic>
         <p:nvPicPr>
-          <p:cNvPr id="5" name="Picture 4" descr="A picture containing text, screenshot, line, diagram&#10;&#10;Description automatically generated">
+          <p:cNvPr id="12" name="Picture 11" descr="A picture containing screenshot, text, line, plot&#10;&#10;Description automatically generated">
             <a:extLst>
               <a:ext uri="{FF2B5EF4-FFF2-40B4-BE49-F238E27FC236}">
-                <a16:creationId xmlns:a16="http://schemas.microsoft.com/office/drawing/2014/main" id="{000513C4-9BE9-3891-5DB8-E30ACC74FF6B}"/>
+                <a16:creationId xmlns:a16="http://schemas.microsoft.com/office/drawing/2014/main" id="{6CBC0197-51C1-6648-26D7-BF52C41886D3}"/>
               </a:ext>
             </a:extLst>
           </p:cNvPr>
@@ -3499,8 +3534,8 @@
         </p:blipFill>
         <p:spPr>
           <a:xfrm>
-            <a:off x="22151349" y="0"/>
-            <a:ext cx="20319999" cy="15240000"/>
+            <a:off x="21822284" y="17195172"/>
+            <a:ext cx="20803956" cy="12482374"/>
           </a:xfrm>
           <a:prstGeom prst="rect">
             <a:avLst/>
@@ -3509,10 +3544,10 @@
       </p:pic>
       <p:pic>
         <p:nvPicPr>
-          <p:cNvPr id="7" name="Picture 6" descr="A picture containing screenshot, text, plot, line&#10;&#10;Description automatically generated">
+          <p:cNvPr id="14" name="Picture 13" descr="A picture containing text, screenshot, diagram, line&#10;&#10;Description automatically generated">
             <a:extLst>
               <a:ext uri="{FF2B5EF4-FFF2-40B4-BE49-F238E27FC236}">
-                <a16:creationId xmlns:a16="http://schemas.microsoft.com/office/drawing/2014/main" id="{843ED8AD-D6F8-6327-E5C6-41CAF7BCD3EF}"/>
+                <a16:creationId xmlns:a16="http://schemas.microsoft.com/office/drawing/2014/main" id="{B4CC73D7-2DF6-0157-1503-7C0E5A6A9ADF}"/>
               </a:ext>
             </a:extLst>
           </p:cNvPr>
@@ -3529,8 +3564,8 @@
         </p:blipFill>
         <p:spPr>
           <a:xfrm>
-            <a:off x="1054831" y="16154400"/>
-            <a:ext cx="20612562" cy="12367537"/>
+            <a:off x="878429" y="560055"/>
+            <a:ext cx="21066740" cy="15800055"/>
           </a:xfrm>
           <a:prstGeom prst="rect">
             <a:avLst/>
@@ -3539,10 +3574,10 @@
       </p:pic>
       <p:pic>
         <p:nvPicPr>
-          <p:cNvPr id="16" name="Picture 15" descr="A picture containing screenshot, text, line, plot&#10;&#10;Description automatically generated">
+          <p:cNvPr id="18" name="Picture 17" descr="A picture containing text, screenshot, line, diagram&#10;&#10;Description automatically generated">
             <a:extLst>
               <a:ext uri="{FF2B5EF4-FFF2-40B4-BE49-F238E27FC236}">
-                <a16:creationId xmlns:a16="http://schemas.microsoft.com/office/drawing/2014/main" id="{45641C3A-FAED-8681-AC22-787D5815E78D}"/>
+                <a16:creationId xmlns:a16="http://schemas.microsoft.com/office/drawing/2014/main" id="{2E67E3D0-6DA0-5337-BC33-5835E2A5A53C}"/>
               </a:ext>
             </a:extLst>
           </p:cNvPr>
@@ -3559,8 +3594,8 @@
         </p:blipFill>
         <p:spPr>
           <a:xfrm>
-            <a:off x="22005068" y="16154400"/>
-            <a:ext cx="20612562" cy="12367537"/>
+            <a:off x="21904227" y="560055"/>
+            <a:ext cx="21066740" cy="15800055"/>
           </a:xfrm>
           <a:prstGeom prst="rect">
             <a:avLst/>
@@ -3569,10 +3604,10 @@
       </p:pic>
       <p:sp>
         <p:nvSpPr>
-          <p:cNvPr id="17" name="TextBox 16">
+          <p:cNvPr id="21" name="TextBox 20">
             <a:extLst>
               <a:ext uri="{FF2B5EF4-FFF2-40B4-BE49-F238E27FC236}">
-                <a16:creationId xmlns:a16="http://schemas.microsoft.com/office/drawing/2014/main" id="{C0D825FE-073B-F9E2-2C31-EFC15283BB36}"/>
+                <a16:creationId xmlns:a16="http://schemas.microsoft.com/office/drawing/2014/main" id="{FFC66617-B539-DE5E-C794-370C384151E9}"/>
               </a:ext>
             </a:extLst>
           </p:cNvPr>
@@ -3581,8 +3616,8 @@
         </p:nvSpPr>
         <p:spPr>
           <a:xfrm>
-            <a:off x="22811033" y="0"/>
-            <a:ext cx="845103" cy="1569660"/>
+            <a:off x="1052601" y="0"/>
+            <a:ext cx="1058303" cy="2215991"/>
           </a:xfrm>
           <a:prstGeom prst="rect">
             <a:avLst/>
@@ -3596,18 +3631,18 @@
           <a:lstStyle/>
           <a:p>
             <a:r>
-              <a:rPr lang="en-US" sz="9600" b="1" dirty="0"/>
-              <a:t>b</a:t>
-            </a:r>
-          </a:p>
-        </p:txBody>
-      </p:sp>
-      <p:sp>
-        <p:nvSpPr>
-          <p:cNvPr id="19" name="TextBox 18">
+              <a:rPr lang="en-US" sz="13800" b="1" dirty="0"/>
+              <a:t>a</a:t>
+            </a:r>
+          </a:p>
+        </p:txBody>
+      </p:sp>
+      <p:sp>
+        <p:nvSpPr>
+          <p:cNvPr id="22" name="TextBox 21">
             <a:extLst>
               <a:ext uri="{FF2B5EF4-FFF2-40B4-BE49-F238E27FC236}">
-                <a16:creationId xmlns:a16="http://schemas.microsoft.com/office/drawing/2014/main" id="{ABEDDC34-9C01-963F-A8F9-E052A49A2BB8}"/>
+                <a16:creationId xmlns:a16="http://schemas.microsoft.com/office/drawing/2014/main" id="{2A13D69D-DAE0-D1DA-9709-60E73205B1A6}"/>
               </a:ext>
             </a:extLst>
           </p:cNvPr>
@@ -3616,8 +3651,8 @@
         </p:nvSpPr>
         <p:spPr>
           <a:xfrm>
-            <a:off x="1052601" y="14790450"/>
-            <a:ext cx="699230" cy="1569660"/>
+            <a:off x="22233521" y="0"/>
+            <a:ext cx="1133644" cy="2215991"/>
           </a:xfrm>
           <a:prstGeom prst="rect">
             <a:avLst/>
@@ -3631,18 +3666,18 @@
           <a:lstStyle/>
           <a:p>
             <a:r>
-              <a:rPr lang="en-US" sz="9600" b="1" dirty="0"/>
-              <a:t>c</a:t>
-            </a:r>
-          </a:p>
-        </p:txBody>
-      </p:sp>
-      <p:sp>
-        <p:nvSpPr>
-          <p:cNvPr id="20" name="TextBox 19">
+              <a:rPr lang="en-US" sz="13800" b="1" dirty="0"/>
+              <a:t>b</a:t>
+            </a:r>
+          </a:p>
+        </p:txBody>
+      </p:sp>
+      <p:sp>
+        <p:nvSpPr>
+          <p:cNvPr id="23" name="TextBox 22">
             <a:extLst>
               <a:ext uri="{FF2B5EF4-FFF2-40B4-BE49-F238E27FC236}">
-                <a16:creationId xmlns:a16="http://schemas.microsoft.com/office/drawing/2014/main" id="{3F78695B-C0AD-2C92-4DF7-ECD8283AA6DD}"/>
+                <a16:creationId xmlns:a16="http://schemas.microsoft.com/office/drawing/2014/main" id="{9C7FA604-C140-15D5-6133-F229FFD2D3C2}"/>
               </a:ext>
             </a:extLst>
           </p:cNvPr>
@@ -3651,8 +3686,8 @@
         </p:nvSpPr>
         <p:spPr>
           <a:xfrm>
-            <a:off x="21813674" y="14790450"/>
-            <a:ext cx="845103" cy="1569660"/>
+            <a:off x="1052601" y="16265964"/>
+            <a:ext cx="925253" cy="2215991"/>
           </a:xfrm>
           <a:prstGeom prst="rect">
             <a:avLst/>
@@ -3666,7 +3701,42 @@
           <a:lstStyle/>
           <a:p>
             <a:r>
-              <a:rPr lang="en-US" sz="9600" b="1" dirty="0"/>
+              <a:rPr lang="en-US" sz="13800" b="1" dirty="0"/>
+              <a:t>c</a:t>
+            </a:r>
+          </a:p>
+        </p:txBody>
+      </p:sp>
+      <p:sp>
+        <p:nvSpPr>
+          <p:cNvPr id="24" name="TextBox 23">
+            <a:extLst>
+              <a:ext uri="{FF2B5EF4-FFF2-40B4-BE49-F238E27FC236}">
+                <a16:creationId xmlns:a16="http://schemas.microsoft.com/office/drawing/2014/main" id="{E4849DC1-2326-4C2D-D2F0-B51750BD9ABC}"/>
+              </a:ext>
+            </a:extLst>
+          </p:cNvPr>
+          <p:cNvSpPr txBox="1"/>
+          <p:nvPr/>
+        </p:nvSpPr>
+        <p:spPr>
+          <a:xfrm>
+            <a:off x="21956218" y="16265964"/>
+            <a:ext cx="1133644" cy="2215991"/>
+          </a:xfrm>
+          <a:prstGeom prst="rect">
+            <a:avLst/>
+          </a:prstGeom>
+          <a:noFill/>
+        </p:spPr>
+        <p:txBody>
+          <a:bodyPr wrap="none" rtlCol="0">
+            <a:spAutoFit/>
+          </a:bodyPr>
+          <a:lstStyle/>
+          <a:p>
+            <a:r>
+              <a:rPr lang="en-US" sz="13800" b="1" dirty="0"/>
               <a:t>d</a:t>
             </a:r>
           </a:p>

--- a/Figures/Figure_7/Figure_7.pptx
+++ b/Figures/Figure_7/Figure_7.pptx
@@ -3542,12 +3542,82 @@
           </a:prstGeom>
         </p:spPr>
       </p:pic>
+      <p:sp>
+        <p:nvSpPr>
+          <p:cNvPr id="23" name="TextBox 22">
+            <a:extLst>
+              <a:ext uri="{FF2B5EF4-FFF2-40B4-BE49-F238E27FC236}">
+                <a16:creationId xmlns:a16="http://schemas.microsoft.com/office/drawing/2014/main" id="{9C7FA604-C140-15D5-6133-F229FFD2D3C2}"/>
+              </a:ext>
+            </a:extLst>
+          </p:cNvPr>
+          <p:cNvSpPr txBox="1"/>
+          <p:nvPr/>
+        </p:nvSpPr>
+        <p:spPr>
+          <a:xfrm>
+            <a:off x="1052601" y="16265964"/>
+            <a:ext cx="925253" cy="2215991"/>
+          </a:xfrm>
+          <a:prstGeom prst="rect">
+            <a:avLst/>
+          </a:prstGeom>
+          <a:noFill/>
+        </p:spPr>
+        <p:txBody>
+          <a:bodyPr wrap="none" rtlCol="0">
+            <a:spAutoFit/>
+          </a:bodyPr>
+          <a:lstStyle/>
+          <a:p>
+            <a:r>
+              <a:rPr lang="en-US" sz="13800" b="1" dirty="0"/>
+              <a:t>c</a:t>
+            </a:r>
+          </a:p>
+        </p:txBody>
+      </p:sp>
+      <p:sp>
+        <p:nvSpPr>
+          <p:cNvPr id="24" name="TextBox 23">
+            <a:extLst>
+              <a:ext uri="{FF2B5EF4-FFF2-40B4-BE49-F238E27FC236}">
+                <a16:creationId xmlns:a16="http://schemas.microsoft.com/office/drawing/2014/main" id="{E4849DC1-2326-4C2D-D2F0-B51750BD9ABC}"/>
+              </a:ext>
+            </a:extLst>
+          </p:cNvPr>
+          <p:cNvSpPr txBox="1"/>
+          <p:nvPr/>
+        </p:nvSpPr>
+        <p:spPr>
+          <a:xfrm>
+            <a:off x="21956218" y="16265964"/>
+            <a:ext cx="1133644" cy="2215991"/>
+          </a:xfrm>
+          <a:prstGeom prst="rect">
+            <a:avLst/>
+          </a:prstGeom>
+          <a:noFill/>
+        </p:spPr>
+        <p:txBody>
+          <a:bodyPr wrap="none" rtlCol="0">
+            <a:spAutoFit/>
+          </a:bodyPr>
+          <a:lstStyle/>
+          <a:p>
+            <a:r>
+              <a:rPr lang="en-US" sz="13800" b="1" dirty="0"/>
+              <a:t>d</a:t>
+            </a:r>
+          </a:p>
+        </p:txBody>
+      </p:sp>
       <p:pic>
         <p:nvPicPr>
-          <p:cNvPr id="14" name="Picture 13" descr="A picture containing text, screenshot, diagram, line&#10;&#10;Description automatically generated">
+          <p:cNvPr id="3" name="Picture 2" descr="A picture containing text, screenshot, line, diagram&#10;&#10;Description automatically generated">
             <a:extLst>
               <a:ext uri="{FF2B5EF4-FFF2-40B4-BE49-F238E27FC236}">
-                <a16:creationId xmlns:a16="http://schemas.microsoft.com/office/drawing/2014/main" id="{B4CC73D7-2DF6-0157-1503-7C0E5A6A9ADF}"/>
+                <a16:creationId xmlns:a16="http://schemas.microsoft.com/office/drawing/2014/main" id="{45B0C888-577D-A892-22B2-3ADCACE972A0}"/>
               </a:ext>
             </a:extLst>
           </p:cNvPr>
@@ -3564,7 +3634,7 @@
         </p:blipFill>
         <p:spPr>
           <a:xfrm>
-            <a:off x="878429" y="560055"/>
+            <a:off x="1049956" y="722860"/>
             <a:ext cx="21066740" cy="15800055"/>
           </a:xfrm>
           <a:prstGeom prst="rect">
@@ -3574,10 +3644,10 @@
       </p:pic>
       <p:pic>
         <p:nvPicPr>
-          <p:cNvPr id="18" name="Picture 17" descr="A picture containing text, screenshot, line, diagram&#10;&#10;Description automatically generated">
+          <p:cNvPr id="5" name="Picture 4" descr="A picture containing text, screenshot, line, diagram&#10;&#10;Description automatically generated">
             <a:extLst>
               <a:ext uri="{FF2B5EF4-FFF2-40B4-BE49-F238E27FC236}">
-                <a16:creationId xmlns:a16="http://schemas.microsoft.com/office/drawing/2014/main" id="{2E67E3D0-6DA0-5337-BC33-5835E2A5A53C}"/>
+                <a16:creationId xmlns:a16="http://schemas.microsoft.com/office/drawing/2014/main" id="{BFAC5698-361F-1FC1-6925-13F10A137122}"/>
               </a:ext>
             </a:extLst>
           </p:cNvPr>
@@ -3594,7 +3664,7 @@
         </p:blipFill>
         <p:spPr>
           <a:xfrm>
-            <a:off x="21904227" y="560055"/>
+            <a:off x="21853912" y="722860"/>
             <a:ext cx="21066740" cy="15800055"/>
           </a:xfrm>
           <a:prstGeom prst="rect">
@@ -3604,10 +3674,10 @@
       </p:pic>
       <p:sp>
         <p:nvSpPr>
-          <p:cNvPr id="21" name="TextBox 20">
+          <p:cNvPr id="6" name="TextBox 5">
             <a:extLst>
               <a:ext uri="{FF2B5EF4-FFF2-40B4-BE49-F238E27FC236}">
-                <a16:creationId xmlns:a16="http://schemas.microsoft.com/office/drawing/2014/main" id="{FFC66617-B539-DE5E-C794-370C384151E9}"/>
+                <a16:creationId xmlns:a16="http://schemas.microsoft.com/office/drawing/2014/main" id="{831A4C5F-9BFA-072E-0F66-6B53F969E83A}"/>
               </a:ext>
             </a:extLst>
           </p:cNvPr>
@@ -3639,10 +3709,10 @@
       </p:sp>
       <p:sp>
         <p:nvSpPr>
-          <p:cNvPr id="22" name="TextBox 21">
+          <p:cNvPr id="7" name="TextBox 6">
             <a:extLst>
               <a:ext uri="{FF2B5EF4-FFF2-40B4-BE49-F238E27FC236}">
-                <a16:creationId xmlns:a16="http://schemas.microsoft.com/office/drawing/2014/main" id="{2A13D69D-DAE0-D1DA-9709-60E73205B1A6}"/>
+                <a16:creationId xmlns:a16="http://schemas.microsoft.com/office/drawing/2014/main" id="{13C31D1A-738B-7FDC-C4BE-76539143ED19}"/>
               </a:ext>
             </a:extLst>
           </p:cNvPr>
@@ -3668,76 +3738,6 @@
             <a:r>
               <a:rPr lang="en-US" sz="13800" b="1" dirty="0"/>
               <a:t>b</a:t>
-            </a:r>
-          </a:p>
-        </p:txBody>
-      </p:sp>
-      <p:sp>
-        <p:nvSpPr>
-          <p:cNvPr id="23" name="TextBox 22">
-            <a:extLst>
-              <a:ext uri="{FF2B5EF4-FFF2-40B4-BE49-F238E27FC236}">
-                <a16:creationId xmlns:a16="http://schemas.microsoft.com/office/drawing/2014/main" id="{9C7FA604-C140-15D5-6133-F229FFD2D3C2}"/>
-              </a:ext>
-            </a:extLst>
-          </p:cNvPr>
-          <p:cNvSpPr txBox="1"/>
-          <p:nvPr/>
-        </p:nvSpPr>
-        <p:spPr>
-          <a:xfrm>
-            <a:off x="1052601" y="16265964"/>
-            <a:ext cx="925253" cy="2215991"/>
-          </a:xfrm>
-          <a:prstGeom prst="rect">
-            <a:avLst/>
-          </a:prstGeom>
-          <a:noFill/>
-        </p:spPr>
-        <p:txBody>
-          <a:bodyPr wrap="none" rtlCol="0">
-            <a:spAutoFit/>
-          </a:bodyPr>
-          <a:lstStyle/>
-          <a:p>
-            <a:r>
-              <a:rPr lang="en-US" sz="13800" b="1" dirty="0"/>
-              <a:t>c</a:t>
-            </a:r>
-          </a:p>
-        </p:txBody>
-      </p:sp>
-      <p:sp>
-        <p:nvSpPr>
-          <p:cNvPr id="24" name="TextBox 23">
-            <a:extLst>
-              <a:ext uri="{FF2B5EF4-FFF2-40B4-BE49-F238E27FC236}">
-                <a16:creationId xmlns:a16="http://schemas.microsoft.com/office/drawing/2014/main" id="{E4849DC1-2326-4C2D-D2F0-B51750BD9ABC}"/>
-              </a:ext>
-            </a:extLst>
-          </p:cNvPr>
-          <p:cNvSpPr txBox="1"/>
-          <p:nvPr/>
-        </p:nvSpPr>
-        <p:spPr>
-          <a:xfrm>
-            <a:off x="21956218" y="16265964"/>
-            <a:ext cx="1133644" cy="2215991"/>
-          </a:xfrm>
-          <a:prstGeom prst="rect">
-            <a:avLst/>
-          </a:prstGeom>
-          <a:noFill/>
-        </p:spPr>
-        <p:txBody>
-          <a:bodyPr wrap="none" rtlCol="0">
-            <a:spAutoFit/>
-          </a:bodyPr>
-          <a:lstStyle/>
-          <a:p>
-            <a:r>
-              <a:rPr lang="en-US" sz="13800" b="1" dirty="0"/>
-              <a:t>d</a:t>
             </a:r>
           </a:p>
         </p:txBody>

--- a/Figures/Figure_7/Figure_7.pptx
+++ b/Figures/Figure_7/Figure_7.pptx
@@ -197,7 +197,7 @@
           <a:p>
             <a:fld id="{DEE34097-28C4-B046-83B1-0F941A2B62B2}" type="datetimeFigureOut">
               <a:rPr lang="en-US" smtClean="0"/>
-              <a:t>5/4/23</a:t>
+              <a:t>5/23/23</a:t>
             </a:fld>
             <a:endParaRPr lang="en-US"/>
           </a:p>
@@ -685,7 +685,7 @@
           <a:p>
             <a:fld id="{EB01C8D4-EBBE-DF44-8BBA-54ECEA52E7BA}" type="datetimeFigureOut">
               <a:rPr lang="en-US" smtClean="0"/>
-              <a:t>5/4/23</a:t>
+              <a:t>5/23/23</a:t>
             </a:fld>
             <a:endParaRPr lang="en-US"/>
           </a:p>
@@ -855,7 +855,7 @@
           <a:p>
             <a:fld id="{EB01C8D4-EBBE-DF44-8BBA-54ECEA52E7BA}" type="datetimeFigureOut">
               <a:rPr lang="en-US" smtClean="0"/>
-              <a:t>5/4/23</a:t>
+              <a:t>5/23/23</a:t>
             </a:fld>
             <a:endParaRPr lang="en-US"/>
           </a:p>
@@ -1035,7 +1035,7 @@
           <a:p>
             <a:fld id="{EB01C8D4-EBBE-DF44-8BBA-54ECEA52E7BA}" type="datetimeFigureOut">
               <a:rPr lang="en-US" smtClean="0"/>
-              <a:t>5/4/23</a:t>
+              <a:t>5/23/23</a:t>
             </a:fld>
             <a:endParaRPr lang="en-US"/>
           </a:p>
@@ -1205,7 +1205,7 @@
           <a:p>
             <a:fld id="{EB01C8D4-EBBE-DF44-8BBA-54ECEA52E7BA}" type="datetimeFigureOut">
               <a:rPr lang="en-US" smtClean="0"/>
-              <a:t>5/4/23</a:t>
+              <a:t>5/23/23</a:t>
             </a:fld>
             <a:endParaRPr lang="en-US"/>
           </a:p>
@@ -1451,7 +1451,7 @@
           <a:p>
             <a:fld id="{EB01C8D4-EBBE-DF44-8BBA-54ECEA52E7BA}" type="datetimeFigureOut">
               <a:rPr lang="en-US" smtClean="0"/>
-              <a:t>5/4/23</a:t>
+              <a:t>5/23/23</a:t>
             </a:fld>
             <a:endParaRPr lang="en-US"/>
           </a:p>
@@ -1683,7 +1683,7 @@
           <a:p>
             <a:fld id="{EB01C8D4-EBBE-DF44-8BBA-54ECEA52E7BA}" type="datetimeFigureOut">
               <a:rPr lang="en-US" smtClean="0"/>
-              <a:t>5/4/23</a:t>
+              <a:t>5/23/23</a:t>
             </a:fld>
             <a:endParaRPr lang="en-US"/>
           </a:p>
@@ -2050,7 +2050,7 @@
           <a:p>
             <a:fld id="{EB01C8D4-EBBE-DF44-8BBA-54ECEA52E7BA}" type="datetimeFigureOut">
               <a:rPr lang="en-US" smtClean="0"/>
-              <a:t>5/4/23</a:t>
+              <a:t>5/23/23</a:t>
             </a:fld>
             <a:endParaRPr lang="en-US"/>
           </a:p>
@@ -2168,7 +2168,7 @@
           <a:p>
             <a:fld id="{EB01C8D4-EBBE-DF44-8BBA-54ECEA52E7BA}" type="datetimeFigureOut">
               <a:rPr lang="en-US" smtClean="0"/>
-              <a:t>5/4/23</a:t>
+              <a:t>5/23/23</a:t>
             </a:fld>
             <a:endParaRPr lang="en-US"/>
           </a:p>
@@ -2263,7 +2263,7 @@
           <a:p>
             <a:fld id="{EB01C8D4-EBBE-DF44-8BBA-54ECEA52E7BA}" type="datetimeFigureOut">
               <a:rPr lang="en-US" smtClean="0"/>
-              <a:t>5/4/23</a:t>
+              <a:t>5/23/23</a:t>
             </a:fld>
             <a:endParaRPr lang="en-US"/>
           </a:p>
@@ -2540,7 +2540,7 @@
           <a:p>
             <a:fld id="{EB01C8D4-EBBE-DF44-8BBA-54ECEA52E7BA}" type="datetimeFigureOut">
               <a:rPr lang="en-US" smtClean="0"/>
-              <a:t>5/4/23</a:t>
+              <a:t>5/23/23</a:t>
             </a:fld>
             <a:endParaRPr lang="en-US"/>
           </a:p>
@@ -2797,7 +2797,7 @@
           <a:p>
             <a:fld id="{EB01C8D4-EBBE-DF44-8BBA-54ECEA52E7BA}" type="datetimeFigureOut">
               <a:rPr lang="en-US" smtClean="0"/>
-              <a:t>5/4/23</a:t>
+              <a:t>5/23/23</a:t>
             </a:fld>
             <a:endParaRPr lang="en-US"/>
           </a:p>
@@ -3010,7 +3010,7 @@
           <a:p>
             <a:fld id="{EB01C8D4-EBBE-DF44-8BBA-54ECEA52E7BA}" type="datetimeFigureOut">
               <a:rPr lang="en-US" smtClean="0"/>
-              <a:t>5/4/23</a:t>
+              <a:t>5/23/23</a:t>
             </a:fld>
             <a:endParaRPr lang="en-US"/>
           </a:p>
@@ -3531,8 +3531,8 @@
         </p:nvSpPr>
         <p:spPr>
           <a:xfrm>
-            <a:off x="11096185" y="5670002"/>
-            <a:ext cx="1615487" cy="428017"/>
+            <a:off x="10951121" y="5670002"/>
+            <a:ext cx="1864333" cy="428017"/>
           </a:xfrm>
           <a:prstGeom prst="rect">
             <a:avLst/>
@@ -3564,7 +3564,7 @@
             <a:pPr algn="ctr"/>
             <a:r>
               <a:rPr lang="en-US" i="1" dirty="0"/>
-              <a:t>RU(64, 11, 1)</a:t>
+              <a:t>RU(64, 11, 1, 4)</a:t>
             </a:r>
           </a:p>
         </p:txBody>
@@ -3583,8 +3583,8 @@
         </p:nvSpPr>
         <p:spPr>
           <a:xfrm>
-            <a:off x="11096185" y="6322049"/>
-            <a:ext cx="1615487" cy="428017"/>
+            <a:off x="10951121" y="6322049"/>
+            <a:ext cx="1864333" cy="428017"/>
           </a:xfrm>
           <a:prstGeom prst="rect">
             <a:avLst/>
@@ -3616,7 +3616,7 @@
             <a:pPr algn="ctr"/>
             <a:r>
               <a:rPr lang="en-US" i="1" dirty="0"/>
-              <a:t>RU(64, 11, 1)</a:t>
+              <a:t>RU(64, 11, 1, 4)</a:t>
             </a:r>
           </a:p>
         </p:txBody>
@@ -3635,8 +3635,8 @@
         </p:nvSpPr>
         <p:spPr>
           <a:xfrm>
-            <a:off x="11096185" y="6962366"/>
-            <a:ext cx="1615487" cy="428017"/>
+            <a:off x="10951121" y="6962366"/>
+            <a:ext cx="1864333" cy="428017"/>
           </a:xfrm>
           <a:prstGeom prst="rect">
             <a:avLst/>
@@ -3668,7 +3668,7 @@
             <a:pPr algn="ctr"/>
             <a:r>
               <a:rPr lang="en-US" i="1" dirty="0"/>
-              <a:t>RU(64, 11, 1)</a:t>
+              <a:t>RU(64, 11, 1, 4)</a:t>
             </a:r>
           </a:p>
         </p:txBody>
@@ -3687,8 +3687,8 @@
         </p:nvSpPr>
         <p:spPr>
           <a:xfrm>
-            <a:off x="11096185" y="7602683"/>
-            <a:ext cx="1615487" cy="428017"/>
+            <a:off x="10951121" y="7602683"/>
+            <a:ext cx="1864333" cy="428017"/>
           </a:xfrm>
           <a:prstGeom prst="rect">
             <a:avLst/>
@@ -3720,7 +3720,7 @@
             <a:pPr algn="ctr"/>
             <a:r>
               <a:rPr lang="en-US" i="1" dirty="0"/>
-              <a:t>RU(64, 11, 1)</a:t>
+              <a:t>RU(64, 11, 1, 4)</a:t>
             </a:r>
           </a:p>
         </p:txBody>
@@ -3995,8 +3995,8 @@
         </p:nvCxnSpPr>
         <p:spPr>
           <a:xfrm flipH="1">
-            <a:off x="11903929" y="3910809"/>
-            <a:ext cx="1739" cy="1759193"/>
+            <a:off x="11883288" y="3910809"/>
+            <a:ext cx="22379" cy="1759193"/>
           </a:xfrm>
           <a:prstGeom prst="straightConnector1">
             <a:avLst/>
@@ -4041,7 +4041,7 @@
         </p:nvCxnSpPr>
         <p:spPr>
           <a:xfrm>
-            <a:off x="11903928" y="6098018"/>
+            <a:off x="11883288" y="6098019"/>
             <a:ext cx="0" cy="224030"/>
           </a:xfrm>
           <a:prstGeom prst="straightConnector1">
@@ -4087,7 +4087,7 @@
         </p:nvCxnSpPr>
         <p:spPr>
           <a:xfrm>
-            <a:off x="11903928" y="6750065"/>
+            <a:off x="11883288" y="6750066"/>
             <a:ext cx="0" cy="212300"/>
           </a:xfrm>
           <a:prstGeom prst="straightConnector1">
@@ -4133,7 +4133,7 @@
         </p:nvCxnSpPr>
         <p:spPr>
           <a:xfrm>
-            <a:off x="11903928" y="7390382"/>
+            <a:off x="11883288" y="7390383"/>
             <a:ext cx="0" cy="212300"/>
           </a:xfrm>
           <a:prstGeom prst="straightConnector1">
@@ -4179,7 +4179,7 @@
         </p:nvCxnSpPr>
         <p:spPr>
           <a:xfrm rot="16200000" flipH="1">
-            <a:off x="11347706" y="8586921"/>
+            <a:off x="11327066" y="8586921"/>
             <a:ext cx="1112778" cy="335"/>
           </a:xfrm>
           <a:prstGeom prst="bentConnector3">
@@ -4227,13 +4227,13 @@
         </p:nvCxnSpPr>
         <p:spPr>
           <a:xfrm rot="5400000" flipH="1" flipV="1">
-            <a:off x="10742020" y="6837572"/>
+            <a:off x="10721380" y="6837572"/>
             <a:ext cx="5828846" cy="3504361"/>
           </a:xfrm>
           <a:prstGeom prst="bentConnector5">
             <a:avLst>
               <a:gd name="adj1" fmla="val -3922"/>
-              <a:gd name="adj2" fmla="val 66196"/>
+              <a:gd name="adj2" fmla="val 68252"/>
               <a:gd name="adj3" fmla="val 103922"/>
             </a:avLst>
           </a:prstGeom>
@@ -4466,8 +4466,8 @@
         </p:nvCxnSpPr>
         <p:spPr>
           <a:xfrm rot="16200000" flipH="1">
-            <a:off x="11800710" y="8133917"/>
-            <a:ext cx="530480" cy="324044"/>
+            <a:off x="11790390" y="8123598"/>
+            <a:ext cx="530480" cy="344684"/>
           </a:xfrm>
           <a:prstGeom prst="bentConnector2">
             <a:avLst/>
@@ -4512,13 +4512,13 @@
         </p:nvCxnSpPr>
         <p:spPr>
           <a:xfrm rot="5400000" flipH="1" flipV="1">
-            <a:off x="10416298" y="6181554"/>
-            <a:ext cx="6810587" cy="3834657"/>
+            <a:off x="10405977" y="6171234"/>
+            <a:ext cx="6810587" cy="3855297"/>
           </a:xfrm>
           <a:prstGeom prst="bentConnector4">
             <a:avLst>
               <a:gd name="adj1" fmla="val -3357"/>
-              <a:gd name="adj2" fmla="val 60532"/>
+              <a:gd name="adj2" fmla="val 62089"/>
             </a:avLst>
           </a:prstGeom>
           <a:ln w="38100">
@@ -4561,8 +4561,8 @@
         </p:nvCxnSpPr>
         <p:spPr>
           <a:xfrm rot="16200000" flipH="1">
-            <a:off x="15312984" y="8135243"/>
-            <a:ext cx="521576" cy="330296"/>
+            <a:off x="15302664" y="8124924"/>
+            <a:ext cx="521576" cy="350936"/>
           </a:xfrm>
           <a:prstGeom prst="bentConnector2">
             <a:avLst/>
@@ -4607,13 +4607,13 @@
         </p:nvCxnSpPr>
         <p:spPr>
           <a:xfrm rot="5400000" flipH="1" flipV="1">
-            <a:off x="13941907" y="6160306"/>
-            <a:ext cx="6810587" cy="3877152"/>
+            <a:off x="13931586" y="6149987"/>
+            <a:ext cx="6810587" cy="3897792"/>
           </a:xfrm>
           <a:prstGeom prst="bentConnector4">
             <a:avLst>
               <a:gd name="adj1" fmla="val -3357"/>
-              <a:gd name="adj2" fmla="val 60417"/>
+              <a:gd name="adj2" fmla="val 61958"/>
             </a:avLst>
           </a:prstGeom>
           <a:ln w="38100">
@@ -4789,8 +4789,8 @@
         </p:nvSpPr>
         <p:spPr>
           <a:xfrm>
-            <a:off x="11096520" y="9143478"/>
-            <a:ext cx="1615487" cy="428017"/>
+            <a:off x="10951456" y="9143478"/>
+            <a:ext cx="1864333" cy="428017"/>
           </a:xfrm>
           <a:prstGeom prst="rect">
             <a:avLst/>
@@ -4822,7 +4822,7 @@
             <a:pPr algn="ctr"/>
             <a:r>
               <a:rPr lang="en-US" i="1" dirty="0"/>
-              <a:t>RU(64, 11, 5)</a:t>
+              <a:t>RU(64, 11, 5, 4)</a:t>
             </a:r>
           </a:p>
         </p:txBody>
@@ -4841,8 +4841,8 @@
         </p:nvSpPr>
         <p:spPr>
           <a:xfrm>
-            <a:off x="11096520" y="9795525"/>
-            <a:ext cx="1615487" cy="428017"/>
+            <a:off x="10951456" y="9795525"/>
+            <a:ext cx="1864333" cy="428017"/>
           </a:xfrm>
           <a:prstGeom prst="rect">
             <a:avLst/>
@@ -4874,7 +4874,7 @@
             <a:pPr algn="ctr"/>
             <a:r>
               <a:rPr lang="en-US" i="1" dirty="0"/>
-              <a:t>RU(64, 11, 5)</a:t>
+              <a:t>RU(64, 11, 5, 4)</a:t>
             </a:r>
           </a:p>
         </p:txBody>
@@ -4893,8 +4893,8 @@
         </p:nvSpPr>
         <p:spPr>
           <a:xfrm>
-            <a:off x="11096520" y="10435842"/>
-            <a:ext cx="1615487" cy="428017"/>
+            <a:off x="10951456" y="10435842"/>
+            <a:ext cx="1864333" cy="428017"/>
           </a:xfrm>
           <a:prstGeom prst="rect">
             <a:avLst/>
@@ -4926,7 +4926,7 @@
             <a:pPr algn="ctr"/>
             <a:r>
               <a:rPr lang="en-US" i="1" dirty="0"/>
-              <a:t>RU(64, 11, 5)</a:t>
+              <a:t>RU(64, 11, 5, 4)</a:t>
             </a:r>
           </a:p>
         </p:txBody>
@@ -4945,8 +4945,8 @@
         </p:nvSpPr>
         <p:spPr>
           <a:xfrm>
-            <a:off x="11096520" y="11076159"/>
-            <a:ext cx="1615487" cy="428017"/>
+            <a:off x="10951456" y="11076159"/>
+            <a:ext cx="1864333" cy="428017"/>
           </a:xfrm>
           <a:prstGeom prst="rect">
             <a:avLst/>
@@ -4978,7 +4978,7 @@
             <a:pPr algn="ctr"/>
             <a:r>
               <a:rPr lang="en-US" i="1" dirty="0"/>
-              <a:t>RU(64, 11, 5)</a:t>
+              <a:t>RU(64, 11, 5, 4)</a:t>
             </a:r>
           </a:p>
         </p:txBody>
@@ -5001,7 +5001,7 @@
         </p:nvCxnSpPr>
         <p:spPr>
           <a:xfrm>
-            <a:off x="11904263" y="9571494"/>
+            <a:off x="11883623" y="9571495"/>
             <a:ext cx="0" cy="224030"/>
           </a:xfrm>
           <a:prstGeom prst="straightConnector1">
@@ -5047,7 +5047,7 @@
         </p:nvCxnSpPr>
         <p:spPr>
           <a:xfrm>
-            <a:off x="11904263" y="10223541"/>
+            <a:off x="11883623" y="10223542"/>
             <a:ext cx="0" cy="212300"/>
           </a:xfrm>
           <a:prstGeom prst="straightConnector1">
@@ -5093,7 +5093,7 @@
         </p:nvCxnSpPr>
         <p:spPr>
           <a:xfrm>
-            <a:off x="11904263" y="10863858"/>
+            <a:off x="11883623" y="10863859"/>
             <a:ext cx="0" cy="212300"/>
           </a:xfrm>
           <a:prstGeom prst="straightConnector1">
@@ -5135,8 +5135,8 @@
         </p:nvSpPr>
         <p:spPr>
           <a:xfrm>
-            <a:off x="14600881" y="5675330"/>
-            <a:ext cx="1615487" cy="428017"/>
+            <a:off x="14455817" y="5675330"/>
+            <a:ext cx="1864333" cy="428017"/>
           </a:xfrm>
           <a:prstGeom prst="rect">
             <a:avLst/>
@@ -5168,7 +5168,7 @@
             <a:pPr algn="ctr"/>
             <a:r>
               <a:rPr lang="en-US" i="1" dirty="0"/>
-              <a:t>RU(64, 11, 10)</a:t>
+              <a:t>RU(64, 11, 10, 4)</a:t>
             </a:r>
           </a:p>
         </p:txBody>
@@ -5187,8 +5187,8 @@
         </p:nvSpPr>
         <p:spPr>
           <a:xfrm>
-            <a:off x="14600881" y="6327377"/>
-            <a:ext cx="1615487" cy="428017"/>
+            <a:off x="14455817" y="6327377"/>
+            <a:ext cx="1864333" cy="428017"/>
           </a:xfrm>
           <a:prstGeom prst="rect">
             <a:avLst/>
@@ -5220,7 +5220,7 @@
             <a:pPr algn="ctr"/>
             <a:r>
               <a:rPr lang="en-US" i="1" dirty="0"/>
-              <a:t>RU(64, 11, 10)</a:t>
+              <a:t>RU(64, 11, 10, 4)</a:t>
             </a:r>
           </a:p>
         </p:txBody>
@@ -5239,8 +5239,8 @@
         </p:nvSpPr>
         <p:spPr>
           <a:xfrm>
-            <a:off x="14600881" y="6967694"/>
-            <a:ext cx="1615487" cy="428017"/>
+            <a:off x="14455817" y="6967694"/>
+            <a:ext cx="1864333" cy="428017"/>
           </a:xfrm>
           <a:prstGeom prst="rect">
             <a:avLst/>
@@ -5272,7 +5272,7 @@
             <a:pPr algn="ctr"/>
             <a:r>
               <a:rPr lang="en-US" i="1" dirty="0"/>
-              <a:t>RU(64, 11, 10)</a:t>
+              <a:t>RU(64, 11, 10, 4)</a:t>
             </a:r>
           </a:p>
         </p:txBody>
@@ -5291,8 +5291,8 @@
         </p:nvSpPr>
         <p:spPr>
           <a:xfrm>
-            <a:off x="14600881" y="7611587"/>
-            <a:ext cx="1615487" cy="428017"/>
+            <a:off x="14455817" y="7611587"/>
+            <a:ext cx="1864333" cy="428017"/>
           </a:xfrm>
           <a:prstGeom prst="rect">
             <a:avLst/>
@@ -5324,7 +5324,7 @@
             <a:pPr algn="ctr"/>
             <a:r>
               <a:rPr lang="en-US" i="1" dirty="0"/>
-              <a:t>RU(64, 11, 10)</a:t>
+              <a:t>RU(64, 11, 10, 4)</a:t>
             </a:r>
           </a:p>
         </p:txBody>
@@ -5347,7 +5347,7 @@
         </p:nvCxnSpPr>
         <p:spPr>
           <a:xfrm>
-            <a:off x="15408624" y="6103346"/>
+            <a:off x="15387984" y="6103347"/>
             <a:ext cx="0" cy="224030"/>
           </a:xfrm>
           <a:prstGeom prst="straightConnector1">
@@ -5393,7 +5393,7 @@
         </p:nvCxnSpPr>
         <p:spPr>
           <a:xfrm>
-            <a:off x="15408624" y="6755393"/>
+            <a:off x="15387984" y="6755394"/>
             <a:ext cx="0" cy="212300"/>
           </a:xfrm>
           <a:prstGeom prst="straightConnector1">
@@ -5439,7 +5439,7 @@
         </p:nvCxnSpPr>
         <p:spPr>
           <a:xfrm>
-            <a:off x="15408624" y="7395710"/>
+            <a:off x="15387984" y="7395711"/>
             <a:ext cx="0" cy="215876"/>
           </a:xfrm>
           <a:prstGeom prst="straightConnector1">
@@ -5481,8 +5481,8 @@
         </p:nvSpPr>
         <p:spPr>
           <a:xfrm>
-            <a:off x="14600881" y="9143471"/>
-            <a:ext cx="1615487" cy="428017"/>
+            <a:off x="14455817" y="9143471"/>
+            <a:ext cx="1864333" cy="428017"/>
           </a:xfrm>
           <a:prstGeom prst="rect">
             <a:avLst/>
@@ -5514,7 +5514,7 @@
             <a:pPr algn="ctr"/>
             <a:r>
               <a:rPr lang="en-US" i="1" dirty="0"/>
-              <a:t>RU(64, 21, 15)</a:t>
+              <a:t>RU(64, 21, 15, 4)</a:t>
             </a:r>
           </a:p>
         </p:txBody>
@@ -5533,8 +5533,8 @@
         </p:nvSpPr>
         <p:spPr>
           <a:xfrm>
-            <a:off x="14600881" y="9795525"/>
-            <a:ext cx="1615487" cy="428017"/>
+            <a:off x="14455817" y="9795525"/>
+            <a:ext cx="1864333" cy="428017"/>
           </a:xfrm>
           <a:prstGeom prst="rect">
             <a:avLst/>
@@ -5566,7 +5566,7 @@
             <a:pPr algn="ctr"/>
             <a:r>
               <a:rPr lang="en-US" i="1" dirty="0"/>
-              <a:t>RU(64, 21, 15)</a:t>
+              <a:t>RU(64, 21, 15, 4)</a:t>
             </a:r>
           </a:p>
         </p:txBody>
@@ -5585,8 +5585,8 @@
         </p:nvSpPr>
         <p:spPr>
           <a:xfrm>
-            <a:off x="14600881" y="10435842"/>
-            <a:ext cx="1615487" cy="428017"/>
+            <a:off x="14455817" y="10435842"/>
+            <a:ext cx="1864333" cy="428017"/>
           </a:xfrm>
           <a:prstGeom prst="rect">
             <a:avLst/>
@@ -5618,7 +5618,7 @@
             <a:pPr algn="ctr"/>
             <a:r>
               <a:rPr lang="en-US" i="1" dirty="0"/>
-              <a:t>RU(64, 21, 15)</a:t>
+              <a:t>RU(64, 21, 15, 4)</a:t>
             </a:r>
           </a:p>
         </p:txBody>
@@ -5637,8 +5637,8 @@
         </p:nvSpPr>
         <p:spPr>
           <a:xfrm>
-            <a:off x="14600881" y="11076159"/>
-            <a:ext cx="1615487" cy="428017"/>
+            <a:off x="14455817" y="11076159"/>
+            <a:ext cx="1864333" cy="428017"/>
           </a:xfrm>
           <a:prstGeom prst="rect">
             <a:avLst/>
@@ -5670,7 +5670,7 @@
             <a:pPr algn="ctr"/>
             <a:r>
               <a:rPr lang="en-US" i="1" dirty="0"/>
-              <a:t>RU(64, 21, 15)</a:t>
+              <a:t>RU(64, 21, 15, 4)</a:t>
             </a:r>
           </a:p>
         </p:txBody>
@@ -5693,7 +5693,7 @@
         </p:nvCxnSpPr>
         <p:spPr>
           <a:xfrm>
-            <a:off x="15408624" y="9571488"/>
+            <a:off x="15387984" y="9571488"/>
             <a:ext cx="0" cy="224037"/>
           </a:xfrm>
           <a:prstGeom prst="straightConnector1">
@@ -5739,7 +5739,7 @@
         </p:nvCxnSpPr>
         <p:spPr>
           <a:xfrm>
-            <a:off x="15408624" y="10223541"/>
+            <a:off x="15387984" y="10223542"/>
             <a:ext cx="0" cy="212300"/>
           </a:xfrm>
           <a:prstGeom prst="straightConnector1">
@@ -5785,7 +5785,7 @@
         </p:nvCxnSpPr>
         <p:spPr>
           <a:xfrm>
-            <a:off x="15408624" y="10863858"/>
+            <a:off x="15387984" y="10863859"/>
             <a:ext cx="0" cy="212300"/>
           </a:xfrm>
           <a:prstGeom prst="straightConnector1">
@@ -5959,8 +5959,8 @@
         </p:nvSpPr>
         <p:spPr>
           <a:xfrm>
-            <a:off x="18105576" y="5669995"/>
-            <a:ext cx="1615487" cy="428017"/>
+            <a:off x="17980817" y="5669995"/>
+            <a:ext cx="1864333" cy="428017"/>
           </a:xfrm>
           <a:prstGeom prst="rect">
             <a:avLst/>
@@ -5992,7 +5992,7 @@
             <a:pPr algn="ctr"/>
             <a:r>
               <a:rPr lang="en-US" i="1" dirty="0"/>
-              <a:t>RU(64, 21, 20)</a:t>
+              <a:t>RU(64, 21, 20, 4)</a:t>
             </a:r>
           </a:p>
         </p:txBody>
@@ -6011,8 +6011,8 @@
         </p:nvSpPr>
         <p:spPr>
           <a:xfrm>
-            <a:off x="18105576" y="6322042"/>
-            <a:ext cx="1615487" cy="428017"/>
+            <a:off x="17980817" y="6322042"/>
+            <a:ext cx="1864333" cy="428017"/>
           </a:xfrm>
           <a:prstGeom prst="rect">
             <a:avLst/>
@@ -6044,7 +6044,7 @@
             <a:pPr algn="ctr"/>
             <a:r>
               <a:rPr lang="en-US" i="1" dirty="0"/>
-              <a:t>RU(64, 21, 20)</a:t>
+              <a:t>RU(64, 21, 20, 4)</a:t>
             </a:r>
           </a:p>
         </p:txBody>
@@ -6063,8 +6063,8 @@
         </p:nvSpPr>
         <p:spPr>
           <a:xfrm>
-            <a:off x="18105576" y="6962359"/>
-            <a:ext cx="1615487" cy="428017"/>
+            <a:off x="17980817" y="6962359"/>
+            <a:ext cx="1864333" cy="428017"/>
           </a:xfrm>
           <a:prstGeom prst="rect">
             <a:avLst/>
@@ -6096,7 +6096,7 @@
             <a:pPr algn="ctr"/>
             <a:r>
               <a:rPr lang="en-US" i="1" dirty="0"/>
-              <a:t>RU(64, 21, 20)</a:t>
+              <a:t>RU(64, 21, 20, 4)</a:t>
             </a:r>
           </a:p>
         </p:txBody>
@@ -6115,8 +6115,8 @@
         </p:nvSpPr>
         <p:spPr>
           <a:xfrm>
-            <a:off x="18105576" y="7602676"/>
-            <a:ext cx="1615487" cy="428017"/>
+            <a:off x="17980817" y="7602676"/>
+            <a:ext cx="1864333" cy="428017"/>
           </a:xfrm>
           <a:prstGeom prst="rect">
             <a:avLst/>
@@ -6148,7 +6148,7 @@
             <a:pPr algn="ctr"/>
             <a:r>
               <a:rPr lang="en-US" i="1" dirty="0"/>
-              <a:t>RU(64, 21, 20)</a:t>
+              <a:t>RU(64, 21, 20, 4)</a:t>
             </a:r>
           </a:p>
         </p:txBody>
@@ -6171,7 +6171,7 @@
         </p:nvCxnSpPr>
         <p:spPr>
           <a:xfrm>
-            <a:off x="18913319" y="6098011"/>
+            <a:off x="18912984" y="6098012"/>
             <a:ext cx="0" cy="224030"/>
           </a:xfrm>
           <a:prstGeom prst="straightConnector1">
@@ -6217,7 +6217,7 @@
         </p:nvCxnSpPr>
         <p:spPr>
           <a:xfrm>
-            <a:off x="18913319" y="6750058"/>
+            <a:off x="18912984" y="6750059"/>
             <a:ext cx="0" cy="212300"/>
           </a:xfrm>
           <a:prstGeom prst="straightConnector1">
@@ -6263,7 +6263,7 @@
         </p:nvCxnSpPr>
         <p:spPr>
           <a:xfrm>
-            <a:off x="18913319" y="7390375"/>
+            <a:off x="18912984" y="7390376"/>
             <a:ext cx="0" cy="212300"/>
           </a:xfrm>
           <a:prstGeom prst="straightConnector1">
@@ -6309,13 +6309,13 @@
         </p:nvCxnSpPr>
         <p:spPr>
           <a:xfrm rot="5400000" flipH="1" flipV="1">
-            <a:off x="14243881" y="6834738"/>
-            <a:ext cx="5834181" cy="3504695"/>
+            <a:off x="14233393" y="6824586"/>
+            <a:ext cx="5834181" cy="3525000"/>
           </a:xfrm>
           <a:prstGeom prst="bentConnector5">
             <a:avLst>
               <a:gd name="adj1" fmla="val -3918"/>
-              <a:gd name="adj2" fmla="val 66794"/>
+              <a:gd name="adj2" fmla="val 68619"/>
               <a:gd name="adj3" fmla="val 103918"/>
             </a:avLst>
           </a:prstGeom>
@@ -6563,7 +6563,7 @@
         </p:nvGrpSpPr>
         <p:grpSpPr>
           <a:xfrm>
-            <a:off x="21543922" y="4863307"/>
+            <a:off x="21624604" y="4863307"/>
             <a:ext cx="3248212" cy="6824124"/>
             <a:chOff x="13206494" y="1521709"/>
             <a:chExt cx="2749593" cy="4988315"/>
@@ -6618,7 +6618,18 @@
               <a:pPr algn="ctr"/>
               <a:r>
                 <a:rPr lang="en-US" sz="2400" b="1" i="1" dirty="0"/>
-                <a:t>RU(N, W, D)</a:t>
+                <a:t>RU(</a:t>
+              </a:r>
+              <a:r>
+                <a:rPr lang="en-US" sz="2400" b="1" i="1" dirty="0">
+                  <a:latin typeface="Courier New" panose="02070309020205020404" pitchFamily="49" charset="0"/>
+                  <a:cs typeface="Courier New" panose="02070309020205020404" pitchFamily="49" charset="0"/>
+                </a:rPr>
+                <a:t>F, W, D, G</a:t>
+              </a:r>
+              <a:r>
+                <a:rPr lang="en-US" sz="2400" b="1" i="1" dirty="0"/>
+                <a:t>)</a:t>
               </a:r>
             </a:p>
           </p:txBody>
@@ -6770,14 +6781,32 @@
               <a:pPr algn="ctr"/>
               <a:r>
                 <a:rPr lang="en-US" b="1" dirty="0"/>
-                <a:t>Conv(N, W, D)</a:t>
+                <a:t>Conv(</a:t>
+              </a:r>
+              <a:r>
+                <a:rPr lang="en-US" b="1" dirty="0">
+                  <a:latin typeface="Courier New" panose="02070309020205020404" pitchFamily="49" charset="0"/>
+                  <a:cs typeface="Courier New" panose="02070309020205020404" pitchFamily="49" charset="0"/>
+                </a:rPr>
+                <a:t>F, W, D</a:t>
+              </a:r>
+              <a:r>
+                <a:rPr lang="en-US" b="1" dirty="0"/>
+                <a:t>)</a:t>
               </a:r>
             </a:p>
             <a:p>
               <a:pPr algn="ctr"/>
               <a:r>
                 <a:rPr lang="en-US" b="1" dirty="0"/>
-                <a:t>group = 4</a:t>
+                <a:t>group = </a:t>
+              </a:r>
+              <a:r>
+                <a:rPr lang="en-US" b="1" dirty="0">
+                  <a:latin typeface="Courier New" panose="02070309020205020404" pitchFamily="49" charset="0"/>
+                  <a:cs typeface="Courier New" panose="02070309020205020404" pitchFamily="49" charset="0"/>
+                </a:rPr>
+                <a:t>G</a:t>
               </a:r>
             </a:p>
           </p:txBody>
@@ -7202,14 +7231,32 @@
               <a:pPr algn="ctr"/>
               <a:r>
                 <a:rPr lang="en-US" b="1" dirty="0"/>
-                <a:t>Conv(N, W, D)</a:t>
+                <a:t>Conv(</a:t>
+              </a:r>
+              <a:r>
+                <a:rPr lang="en-US" b="1" dirty="0">
+                  <a:latin typeface="Courier New" panose="02070309020205020404" pitchFamily="49" charset="0"/>
+                  <a:cs typeface="Courier New" panose="02070309020205020404" pitchFamily="49" charset="0"/>
+                </a:rPr>
+                <a:t>F, W, D</a:t>
+              </a:r>
+              <a:r>
+                <a:rPr lang="en-US" b="1" dirty="0"/>
+                <a:t>)</a:t>
               </a:r>
             </a:p>
             <a:p>
               <a:pPr algn="ctr"/>
               <a:r>
                 <a:rPr lang="en-US" b="1" dirty="0"/>
-                <a:t>group = 4</a:t>
+                <a:t>group = </a:t>
+              </a:r>
+              <a:r>
+                <a:rPr lang="en-US" b="1" dirty="0">
+                  <a:latin typeface="Courier New" panose="02070309020205020404" pitchFamily="49" charset="0"/>
+                  <a:cs typeface="Courier New" panose="02070309020205020404" pitchFamily="49" charset="0"/>
+                </a:rPr>
+                <a:t>G</a:t>
               </a:r>
             </a:p>
           </p:txBody>
@@ -7361,7 +7408,7 @@
         </p:nvCxnSpPr>
         <p:spPr>
           <a:xfrm>
-            <a:off x="15408624" y="8039604"/>
+            <a:off x="15387984" y="8039604"/>
             <a:ext cx="0" cy="1103867"/>
           </a:xfrm>
           <a:prstGeom prst="straightConnector1">
@@ -7635,8 +7682,8 @@
         </p:nvCxnSpPr>
         <p:spPr>
           <a:xfrm>
-            <a:off x="18913320" y="8030693"/>
-            <a:ext cx="4333" cy="321482"/>
+            <a:off x="18912984" y="8030693"/>
+            <a:ext cx="4669" cy="321482"/>
           </a:xfrm>
           <a:prstGeom prst="straightConnector1">
             <a:avLst/>
@@ -7679,7 +7726,7 @@
         </p:nvCxnSpPr>
         <p:spPr>
           <a:xfrm>
-            <a:off x="23067234" y="5569927"/>
+            <a:off x="23147916" y="5569927"/>
             <a:ext cx="0" cy="615977"/>
           </a:xfrm>
           <a:prstGeom prst="straightConnector1">
@@ -7718,7 +7765,7 @@
         </p:nvSpPr>
         <p:spPr>
           <a:xfrm>
-            <a:off x="21553818" y="2977791"/>
+            <a:off x="21634500" y="2544931"/>
             <a:ext cx="3137519" cy="1141554"/>
           </a:xfrm>
           <a:prstGeom prst="rect">
@@ -7771,7 +7818,7 @@
         </p:nvCxnSpPr>
         <p:spPr>
           <a:xfrm>
-            <a:off x="21801624" y="3844885"/>
+            <a:off x="21882306" y="3412025"/>
             <a:ext cx="662948" cy="0"/>
           </a:xfrm>
           <a:prstGeom prst="straightConnector1">
@@ -7815,7 +7862,7 @@
         </p:nvCxnSpPr>
         <p:spPr>
           <a:xfrm>
-            <a:off x="21801624" y="3303096"/>
+            <a:off x="21882306" y="2870236"/>
             <a:ext cx="662948" cy="0"/>
           </a:xfrm>
           <a:prstGeom prst="straightConnector1">
@@ -7859,7 +7906,7 @@
         </p:nvSpPr>
         <p:spPr>
           <a:xfrm>
-            <a:off x="22627887" y="3626372"/>
+            <a:off x="22708569" y="3193512"/>
             <a:ext cx="2071849" cy="369332"/>
           </a:xfrm>
           <a:prstGeom prst="rect">
@@ -7894,7 +7941,7 @@
         </p:nvSpPr>
         <p:spPr>
           <a:xfrm>
-            <a:off x="22627886" y="3103572"/>
+            <a:off x="22708568" y="2670712"/>
             <a:ext cx="2063450" cy="369332"/>
           </a:xfrm>
           <a:prstGeom prst="rect">
@@ -8065,6 +8112,76 @@
           </a:fontRef>
         </p:style>
       </p:cxnSp>
+      <p:sp>
+        <p:nvSpPr>
+          <p:cNvPr id="132" name="TextBox 131">
+            <a:extLst>
+              <a:ext uri="{FF2B5EF4-FFF2-40B4-BE49-F238E27FC236}">
+                <a16:creationId xmlns:a16="http://schemas.microsoft.com/office/drawing/2014/main" id="{B0C24A8A-A7A2-CD9E-61BF-0ADB91811B3D}"/>
+              </a:ext>
+            </a:extLst>
+          </p:cNvPr>
+          <p:cNvSpPr txBox="1"/>
+          <p:nvPr/>
+        </p:nvSpPr>
+        <p:spPr>
+          <a:xfrm>
+            <a:off x="10481121" y="1842515"/>
+            <a:ext cx="470000" cy="784830"/>
+          </a:xfrm>
+          <a:prstGeom prst="rect">
+            <a:avLst/>
+          </a:prstGeom>
+          <a:noFill/>
+        </p:spPr>
+        <p:txBody>
+          <a:bodyPr wrap="none" rtlCol="0">
+            <a:spAutoFit/>
+          </a:bodyPr>
+          <a:lstStyle/>
+          <a:p>
+            <a:r>
+              <a:rPr lang="en-US" sz="4500" b="1" dirty="0"/>
+              <a:t>a</a:t>
+            </a:r>
+          </a:p>
+        </p:txBody>
+      </p:sp>
+      <p:sp>
+        <p:nvSpPr>
+          <p:cNvPr id="133" name="TextBox 132">
+            <a:extLst>
+              <a:ext uri="{FF2B5EF4-FFF2-40B4-BE49-F238E27FC236}">
+                <a16:creationId xmlns:a16="http://schemas.microsoft.com/office/drawing/2014/main" id="{F7D76BDA-DC8C-FB20-2979-488F8D51BD97}"/>
+              </a:ext>
+            </a:extLst>
+          </p:cNvPr>
+          <p:cNvSpPr txBox="1"/>
+          <p:nvPr/>
+        </p:nvSpPr>
+        <p:spPr>
+          <a:xfrm>
+            <a:off x="21185432" y="4110032"/>
+            <a:ext cx="494046" cy="784830"/>
+          </a:xfrm>
+          <a:prstGeom prst="rect">
+            <a:avLst/>
+          </a:prstGeom>
+          <a:noFill/>
+        </p:spPr>
+        <p:txBody>
+          <a:bodyPr wrap="none" rtlCol="0">
+            <a:spAutoFit/>
+          </a:bodyPr>
+          <a:lstStyle/>
+          <a:p>
+            <a:r>
+              <a:rPr lang="en-US" sz="4500" b="1" dirty="0"/>
+              <a:t>b</a:t>
+            </a:r>
+          </a:p>
+        </p:txBody>
+      </p:sp>
     </p:spTree>
     <p:extLst>
       <p:ext uri="{BB962C8B-B14F-4D97-AF65-F5344CB8AC3E}">
